--- a/trabvajo.pptx
+++ b/trabvajo.pptx
@@ -3977,8 +3977,8 @@
         </p:nvSpPr>
         <p:spPr>
           <a:xfrm>
-            <a:off x="1317971" y="4334234"/>
-            <a:ext cx="6582561" cy="2031325"/>
+            <a:off x="713964" y="2380910"/>
+            <a:ext cx="6582561" cy="3693319"/>
           </a:xfrm>
           <a:prstGeom prst="rect">
             <a:avLst/>
@@ -4002,25 +4002,40 @@
           <a:p>
             <a:r>
               <a:rPr lang="es-EC" b="1" dirty="0"/>
-              <a:t>Tony Gaona</a:t>
-            </a:r>
+              <a:t>Tony Gaona   - </a:t>
+            </a:r>
+            <a:r>
+              <a:rPr lang="es-EC" b="1" dirty="0" err="1"/>
+              <a:t>tonygaona</a:t>
+            </a:r>
+            <a:endParaRPr lang="es-EC" b="1" dirty="0"/>
           </a:p>
           <a:p>
             <a:r>
               <a:rPr lang="es-ES" b="1" dirty="0"/>
-              <a:t>Jamil Eguiguren</a:t>
-            </a:r>
+              <a:t>Jamil Eguiguren - </a:t>
+            </a:r>
+            <a:r>
+              <a:rPr lang="es-ES" b="1" dirty="0" err="1"/>
+              <a:t>jamil-eguiguren</a:t>
+            </a:r>
+            <a:endParaRPr lang="es-ES" b="1" dirty="0"/>
           </a:p>
           <a:p>
             <a:r>
               <a:rPr lang="es-ES" b="1" dirty="0"/>
-              <a:t>Byron Valdivieso </a:t>
-            </a:r>
+              <a:t>Byron Valdivieso - </a:t>
+            </a:r>
+            <a:r>
+              <a:rPr lang="es-ES" b="1" dirty="0" err="1"/>
+              <a:t>bmvaldivieso</a:t>
+            </a:r>
+            <a:endParaRPr lang="es-ES" b="1" dirty="0"/>
           </a:p>
           <a:p>
             <a:r>
               <a:rPr lang="es-ES" b="1" dirty="0"/>
-              <a:t>Richard Ojeda</a:t>
+              <a:t>Richard Ojeda –Ojeda2001</a:t>
             </a:r>
           </a:p>
           <a:p>
@@ -4032,13 +4047,67 @@
               <a:rPr lang="es-ES" b="1" dirty="0" err="1"/>
               <a:t>Puchaicela</a:t>
             </a:r>
+            <a:r>
+              <a:rPr lang="es-ES" b="1" dirty="0"/>
+              <a:t> - </a:t>
+            </a:r>
+            <a:r>
+              <a:rPr lang="es-ES" b="1" dirty="0" err="1"/>
+              <a:t>llpuchaicela</a:t>
+            </a:r>
             <a:endParaRPr lang="es-ES" b="1" dirty="0"/>
           </a:p>
           <a:p>
             <a:r>
               <a:rPr lang="es-ES" b="1" dirty="0"/>
-              <a:t>Gerald Jaramillo</a:t>
-            </a:r>
+              <a:t>Gerald Jaramillo – </a:t>
+            </a:r>
+            <a:r>
+              <a:rPr lang="es-ES" b="1" dirty="0" err="1"/>
+              <a:t>geraldjt</a:t>
+            </a:r>
+            <a:endParaRPr lang="es-ES" b="1" dirty="0"/>
+          </a:p>
+          <a:p>
+            <a:r>
+              <a:rPr lang="es-ES" b="1" dirty="0"/>
+              <a:t>Arianna </a:t>
+            </a:r>
+            <a:r>
+              <a:rPr lang="es-ES" b="1" dirty="0" err="1"/>
+              <a:t>ramon</a:t>
+            </a:r>
+            <a:r>
+              <a:rPr lang="es-ES" b="1" dirty="0"/>
+              <a:t> – arianna0206</a:t>
+            </a:r>
+          </a:p>
+          <a:p>
+            <a:endParaRPr lang="es-ES" b="1" dirty="0"/>
+          </a:p>
+          <a:p>
+            <a:r>
+              <a:rPr lang="es-ES" b="1" dirty="0" err="1"/>
+              <a:t>Direccion</a:t>
+            </a:r>
+            <a:r>
+              <a:rPr lang="es-ES" b="1" dirty="0"/>
+              <a:t>. </a:t>
+            </a:r>
+            <a:r>
+              <a:rPr lang="es-ES" b="1" dirty="0">
+                <a:hlinkClick r:id="rId3"/>
+              </a:rPr>
+              <a:t>https://github.com/llpuchaicela/practica1_ProgAvanzada/invitations</a:t>
+            </a:r>
+            <a:endParaRPr lang="es-ES" b="1" dirty="0"/>
+          </a:p>
+          <a:p>
+            <a:r>
+              <a:rPr lang="es-ES" b="1"/>
+              <a:t>Tiempo 2.04h</a:t>
+            </a:r>
+            <a:endParaRPr lang="es-ES" b="1" dirty="0"/>
           </a:p>
         </p:txBody>
       </p:sp>
@@ -4136,7 +4205,7 @@
             </a:r>
             <a:r>
               <a:rPr lang="pt-BR" dirty="0"/>
-              <a:t>(e =&gt; e * 2 &gt; (1 </a:t>
+              <a:t>(e =&gt; e &gt; (1 </a:t>
             </a:r>
             <a:r>
               <a:rPr lang="pt-BR" dirty="0" err="1"/>
@@ -4290,7 +4359,7 @@
           <a:p>
             <a:r>
               <a:rPr lang="es-ES" dirty="0"/>
-              <a:t>La actividad fue la diapositivas, mientras los compañeros realizaban el código de los ejercicios propuestos otro compañero realizaban las  diapositivas.</a:t>
+              <a:t>Si ya que la actividad fue la diapositivas, mientras los compañeros realizaban el código de los ejercicios propuestos otro compañero realizaban las  diapositivas.</a:t>
             </a:r>
           </a:p>
           <a:p>
@@ -4302,7 +4371,22 @@
             </a:pPr>
             <a:r>
               <a:rPr lang="es-ES" dirty="0"/>
-              <a:t> En alguna actividad o actividades ¿usaron programación paralela? Explique su respuesta No usamos programación paralela debido que no tenemos la bases del mismo.</a:t>
+              <a:t> En alguna actividad o actividades ¿usaron programación paralela? Explique su respuesta </a:t>
+            </a:r>
+          </a:p>
+          <a:p>
+            <a:pPr marL="0" indent="0">
+              <a:buNone/>
+            </a:pPr>
+            <a:endParaRPr lang="es-ES" dirty="0"/>
+          </a:p>
+          <a:p>
+            <a:pPr marL="0" indent="0">
+              <a:buNone/>
+            </a:pPr>
+            <a:r>
+              <a:rPr lang="es-ES" dirty="0"/>
+              <a:t>No usamos programación paralela debido que no tenemos la bases del mismo.</a:t>
             </a:r>
           </a:p>
           <a:p>
@@ -4394,15 +4478,7 @@
           <a:p>
             <a:r>
               <a:rPr lang="es-ES" dirty="0"/>
-              <a:t>El compañero Tony Gaona fue el encargado de organizar al grupo y dirigirnos en como realizar el taller, a cada uno le asigno una actividad para </a:t>
-            </a:r>
-            <a:r>
-              <a:rPr lang="es-ES"/>
-              <a:t>realizar como hacer </a:t>
-            </a:r>
-            <a:r>
-              <a:rPr lang="es-ES" dirty="0"/>
-              <a:t>tal ejercicio o la diapositivas y fue en cierta parte efectivo.</a:t>
+              <a:t>El compañero Tony Gaona fue el encargado de organizar al grupo y dirigirnos en como realizar el taller, a cada uno le asigno una actividad para realizar como hacer tal ejercicio o la diapositivas y fue en cierta parte efectivo.</a:t>
             </a:r>
             <a:endParaRPr lang="es-EC" dirty="0"/>
           </a:p>
@@ -5338,8 +5414,8 @@
           </a:lstStyle>
           <a:p>
             <a:r>
-              <a:rPr lang="es-ES"/>
-              <a:t>El listado de los números generados que son pares</a:t>
+              <a:rPr lang="es-ES" dirty="0"/>
+              <a:t>El listado de los números generados que son impares</a:t>
             </a:r>
             <a:endParaRPr lang="es-EC" dirty="0"/>
           </a:p>
@@ -5659,7 +5735,7 @@
           <a:p>
             <a:r>
               <a:rPr lang="es-ES" dirty="0"/>
-              <a:t>El listado de los números generados que son deficientes</a:t>
+              <a:t>El listado de los números generados que son abundantes</a:t>
             </a:r>
             <a:endParaRPr lang="es-EC" dirty="0"/>
           </a:p>
@@ -5742,10 +5818,10 @@
       </p:sp>
       <p:pic>
         <p:nvPicPr>
-          <p:cNvPr id="5" name="Imagen 4">
+          <p:cNvPr id="6" name="Imagen 5">
             <a:extLst>
               <a:ext uri="{FF2B5EF4-FFF2-40B4-BE49-F238E27FC236}">
-                <a16:creationId xmlns:a16="http://schemas.microsoft.com/office/drawing/2014/main" id="{E7EBB7E8-6EE3-4AE7-A801-6DFF66C3159B}"/>
+                <a16:creationId xmlns:a16="http://schemas.microsoft.com/office/drawing/2014/main" id="{352D6795-D920-4C7C-B94E-C8717B629649}"/>
               </a:ext>
             </a:extLst>
           </p:cNvPr>
@@ -5762,8 +5838,8 @@
         </p:blipFill>
         <p:spPr>
           <a:xfrm>
-            <a:off x="3353761" y="3305611"/>
-            <a:ext cx="2601410" cy="712715"/>
+            <a:off x="3872684" y="3391029"/>
+            <a:ext cx="3456732" cy="932769"/>
           </a:xfrm>
           <a:prstGeom prst="rect">
             <a:avLst/>
@@ -5901,10 +5977,10 @@
       </p:sp>
       <p:pic>
         <p:nvPicPr>
-          <p:cNvPr id="7" name="Imagen 6">
+          <p:cNvPr id="9" name="Imagen 8">
             <a:extLst>
               <a:ext uri="{FF2B5EF4-FFF2-40B4-BE49-F238E27FC236}">
-                <a16:creationId xmlns:a16="http://schemas.microsoft.com/office/drawing/2014/main" id="{C7349F3F-47AC-4466-ADE9-D67580DC319E}"/>
+                <a16:creationId xmlns:a16="http://schemas.microsoft.com/office/drawing/2014/main" id="{396A418D-CBED-4BEC-9850-3349DEF2C170}"/>
               </a:ext>
             </a:extLst>
           </p:cNvPr>
@@ -5921,8 +5997,8 @@
         </p:blipFill>
         <p:spPr>
           <a:xfrm>
-            <a:off x="3278478" y="3057568"/>
-            <a:ext cx="3460046" cy="927202"/>
+            <a:off x="4118033" y="3227838"/>
+            <a:ext cx="3457764" cy="874377"/>
           </a:xfrm>
           <a:prstGeom prst="rect">
             <a:avLst/>
